--- a/Week9/W3.04. Create Menu Application.pptx
+++ b/Week9/W3.04. Create Menu Application.pptx
@@ -5,11 +5,12 @@
     <p:sldMasterId id="2147483768" r:id="rId1"/>
   </p:sldMasterIdLst>
   <p:notesMasterIdLst>
-    <p:notesMasterId r:id="rId4"/>
+    <p:notesMasterId r:id="rId5"/>
   </p:notesMasterIdLst>
   <p:sldIdLst>
     <p:sldId id="256" r:id="rId2"/>
     <p:sldId id="257" r:id="rId3"/>
+    <p:sldId id="258" r:id="rId4"/>
   </p:sldIdLst>
   <p:sldSz cx="12192000" cy="6858000"/>
   <p:notesSz cx="6858000" cy="9144000"/>
@@ -115,6 +116,7 @@
           <p14:sldIdLst>
             <p14:sldId id="256"/>
             <p14:sldId id="257"/>
+            <p14:sldId id="258"/>
           </p14:sldIdLst>
         </p14:section>
       </p14:sectionLst>
@@ -124,6 +126,27 @@
     </p:ext>
   </p:extLst>
 </p:presentation>
+</file>
+
+<file path=ppt/changesInfos/changesInfo1.xml><?xml version="1.0" encoding="utf-8"?>
+<pc:chgInfo xmlns:a="http://schemas.openxmlformats.org/drawingml/2006/main" xmlns:r="http://schemas.openxmlformats.org/officeDocument/2006/relationships" xmlns:ac="http://schemas.microsoft.com/office/drawing/2013/main/command" xmlns:pc="http://schemas.microsoft.com/office/powerpoint/2013/main/command">
+  <pc:docChgLst>
+    <pc:chgData name="Charles Kiefriter" userId="a996b49251c4dfd2" providerId="LiveId" clId="{50C3110D-2B41-451D-B3A6-C5E0176B21E7}"/>
+    <pc:docChg chg="addSld modSection">
+      <pc:chgData name="Charles Kiefriter" userId="a996b49251c4dfd2" providerId="LiveId" clId="{50C3110D-2B41-451D-B3A6-C5E0176B21E7}" dt="2023-05-02T02:08:08.264" v="0" actId="680"/>
+      <pc:docMkLst>
+        <pc:docMk/>
+      </pc:docMkLst>
+      <pc:sldChg chg="new">
+        <pc:chgData name="Charles Kiefriter" userId="a996b49251c4dfd2" providerId="LiveId" clId="{50C3110D-2B41-451D-B3A6-C5E0176B21E7}" dt="2023-05-02T02:08:08.264" v="0" actId="680"/>
+        <pc:sldMkLst>
+          <pc:docMk/>
+          <pc:sldMk cId="3613481348" sldId="258"/>
+        </pc:sldMkLst>
+      </pc:sldChg>
+    </pc:docChg>
+  </pc:docChgLst>
+</pc:chgInfo>
 </file>
 
 <file path=ppt/notesMasters/notesMaster1.xml><?xml version="1.0" encoding="utf-8"?>
@@ -208,7 +231,7 @@
           <a:p>
             <a:fld id="{BF1BC3E4-C956-40CB-AFCD-8F927AFF366E}" type="datetimeFigureOut">
               <a:rPr lang="en-US" smtClean="0"/>
-              <a:t>1/6/2022</a:t>
+              <a:t>5/1/2023</a:t>
             </a:fld>
             <a:endParaRPr lang="en-US"/>
           </a:p>
@@ -719,7 +742,7 @@
           <a:p>
             <a:fld id="{548C5E67-172B-4F6A-B3B9-DEF72F952E5B}" type="datetimeFigureOut">
               <a:rPr lang="en-US" smtClean="0"/>
-              <a:t>1/6/2022</a:t>
+              <a:t>5/1/2023</a:t>
             </a:fld>
             <a:endParaRPr lang="en-US"/>
           </a:p>
@@ -923,7 +946,7 @@
           <a:p>
             <a:fld id="{548C5E67-172B-4F6A-B3B9-DEF72F952E5B}" type="datetimeFigureOut">
               <a:rPr lang="en-US" smtClean="0"/>
-              <a:t>1/6/2022</a:t>
+              <a:t>5/1/2023</a:t>
             </a:fld>
             <a:endParaRPr lang="en-US"/>
           </a:p>
@@ -1117,7 +1140,7 @@
           <a:p>
             <a:fld id="{548C5E67-172B-4F6A-B3B9-DEF72F952E5B}" type="datetimeFigureOut">
               <a:rPr lang="en-US" smtClean="0"/>
-              <a:t>1/6/2022</a:t>
+              <a:t>5/1/2023</a:t>
             </a:fld>
             <a:endParaRPr lang="en-US"/>
           </a:p>
@@ -2162,7 +2185,7 @@
           <a:p>
             <a:fld id="{548C5E67-172B-4F6A-B3B9-DEF72F952E5B}" type="datetimeFigureOut">
               <a:rPr lang="en-US" smtClean="0"/>
-              <a:t>1/6/2022</a:t>
+              <a:t>5/1/2023</a:t>
             </a:fld>
             <a:endParaRPr lang="en-US"/>
           </a:p>
@@ -2443,7 +2466,7 @@
           <a:p>
             <a:fld id="{548C5E67-172B-4F6A-B3B9-DEF72F952E5B}" type="datetimeFigureOut">
               <a:rPr lang="en-US" smtClean="0"/>
-              <a:t>1/6/2022</a:t>
+              <a:t>5/1/2023</a:t>
             </a:fld>
             <a:endParaRPr lang="en-US"/>
           </a:p>
@@ -3183,6 +3206,86 @@
       </p:transition>
     </mc:Fallback>
   </mc:AlternateContent>
+</p:sld>
+</file>
+
+<file path=ppt/slides/slide3.xml><?xml version="1.0" encoding="utf-8"?>
+<p:sld xmlns:a="http://schemas.openxmlformats.org/drawingml/2006/main" xmlns:r="http://schemas.openxmlformats.org/officeDocument/2006/relationships" xmlns:p="http://schemas.openxmlformats.org/presentationml/2006/main">
+  <p:cSld>
+    <p:spTree>
+      <p:nvGrpSpPr>
+        <p:cNvPr id="1" name=""/>
+        <p:cNvGrpSpPr/>
+        <p:nvPr/>
+      </p:nvGrpSpPr>
+      <p:grpSpPr>
+        <a:xfrm>
+          <a:off x="0" y="0"/>
+          <a:ext cx="0" cy="0"/>
+          <a:chOff x="0" y="0"/>
+          <a:chExt cx="0" cy="0"/>
+        </a:xfrm>
+      </p:grpSpPr>
+      <p:sp>
+        <p:nvSpPr>
+          <p:cNvPr id="2" name="Title 1">
+            <a:extLst>
+              <a:ext uri="{FF2B5EF4-FFF2-40B4-BE49-F238E27FC236}">
+                <a16:creationId xmlns:a16="http://schemas.microsoft.com/office/drawing/2014/main" id="{1F608D42-F8C3-4621-9F42-987A0F9194BD}"/>
+              </a:ext>
+            </a:extLst>
+          </p:cNvPr>
+          <p:cNvSpPr>
+            <a:spLocks noGrp="1"/>
+          </p:cNvSpPr>
+          <p:nvPr>
+            <p:ph type="title"/>
+          </p:nvPr>
+        </p:nvSpPr>
+        <p:spPr/>
+        <p:txBody>
+          <a:bodyPr/>
+          <a:lstStyle/>
+          <a:p>
+            <a:endParaRPr lang="en-US"/>
+          </a:p>
+        </p:txBody>
+      </p:sp>
+      <p:sp>
+        <p:nvSpPr>
+          <p:cNvPr id="3" name="Content Placeholder 2">
+            <a:extLst>
+              <a:ext uri="{FF2B5EF4-FFF2-40B4-BE49-F238E27FC236}">
+                <a16:creationId xmlns:a16="http://schemas.microsoft.com/office/drawing/2014/main" id="{DCECCB1D-E8F1-16DE-8EC8-CA26E1AB0CEB}"/>
+              </a:ext>
+            </a:extLst>
+          </p:cNvPr>
+          <p:cNvSpPr>
+            <a:spLocks noGrp="1"/>
+          </p:cNvSpPr>
+          <p:nvPr>
+            <p:ph idx="1"/>
+          </p:nvPr>
+        </p:nvSpPr>
+        <p:spPr/>
+        <p:txBody>
+          <a:bodyPr/>
+          <a:lstStyle/>
+          <a:p>
+            <a:endParaRPr lang="en-US"/>
+          </a:p>
+        </p:txBody>
+      </p:sp>
+    </p:spTree>
+    <p:extLst>
+      <p:ext uri="{BB962C8B-B14F-4D97-AF65-F5344CB8AC3E}">
+        <p14:creationId xmlns:p14="http://schemas.microsoft.com/office/powerpoint/2010/main" val="3613481348"/>
+      </p:ext>
+    </p:extLst>
+  </p:cSld>
+  <p:clrMapOvr>
+    <a:masterClrMapping/>
+  </p:clrMapOvr>
 </p:sld>
 </file>
 

--- a/Week9/W3.04. Create Menu Application.pptx
+++ b/Week9/W3.04. Create Menu Application.pptx
@@ -146,6 +146,30 @@
       </pc:sldChg>
     </pc:docChg>
   </pc:docChgLst>
+  <pc:docChgLst>
+    <pc:chgData name="Charles Kiefriter" userId="a996b49251c4dfd2" providerId="LiveId" clId="{0C730A65-1851-4C1B-A0C2-2A3B8973B1D6}"/>
+    <pc:docChg chg="modSld">
+      <pc:chgData name="Charles Kiefriter" userId="a996b49251c4dfd2" providerId="LiveId" clId="{0C730A65-1851-4C1B-A0C2-2A3B8973B1D6}" dt="2024-02-14T00:54:42.272" v="0" actId="14100"/>
+      <pc:docMkLst>
+        <pc:docMk/>
+      </pc:docMkLst>
+      <pc:sldChg chg="modSp mod">
+        <pc:chgData name="Charles Kiefriter" userId="a996b49251c4dfd2" providerId="LiveId" clId="{0C730A65-1851-4C1B-A0C2-2A3B8973B1D6}" dt="2024-02-14T00:54:42.272" v="0" actId="14100"/>
+        <pc:sldMkLst>
+          <pc:docMk/>
+          <pc:sldMk cId="528589110" sldId="257"/>
+        </pc:sldMkLst>
+        <pc:spChg chg="mod">
+          <ac:chgData name="Charles Kiefriter" userId="a996b49251c4dfd2" providerId="LiveId" clId="{0C730A65-1851-4C1B-A0C2-2A3B8973B1D6}" dt="2024-02-14T00:54:42.272" v="0" actId="14100"/>
+          <ac:spMkLst>
+            <pc:docMk/>
+            <pc:sldMk cId="528589110" sldId="257"/>
+            <ac:spMk id="3" creationId="{E3887BFD-F023-4873-8258-787A7FBA43BF}"/>
+          </ac:spMkLst>
+        </pc:spChg>
+      </pc:sldChg>
+    </pc:docChg>
+  </pc:docChgLst>
 </pc:chgInfo>
 </file>
 
@@ -231,7 +255,7 @@
           <a:p>
             <a:fld id="{BF1BC3E4-C956-40CB-AFCD-8F927AFF366E}" type="datetimeFigureOut">
               <a:rPr lang="en-US" smtClean="0"/>
-              <a:t>5/1/2023</a:t>
+              <a:t>2/12/2024</a:t>
             </a:fld>
             <a:endParaRPr lang="en-US"/>
           </a:p>
@@ -742,7 +766,7 @@
           <a:p>
             <a:fld id="{548C5E67-172B-4F6A-B3B9-DEF72F952E5B}" type="datetimeFigureOut">
               <a:rPr lang="en-US" smtClean="0"/>
-              <a:t>5/1/2023</a:t>
+              <a:t>2/12/2024</a:t>
             </a:fld>
             <a:endParaRPr lang="en-US"/>
           </a:p>
@@ -946,7 +970,7 @@
           <a:p>
             <a:fld id="{548C5E67-172B-4F6A-B3B9-DEF72F952E5B}" type="datetimeFigureOut">
               <a:rPr lang="en-US" smtClean="0"/>
-              <a:t>5/1/2023</a:t>
+              <a:t>2/12/2024</a:t>
             </a:fld>
             <a:endParaRPr lang="en-US"/>
           </a:p>
@@ -1140,7 +1164,7 @@
           <a:p>
             <a:fld id="{548C5E67-172B-4F6A-B3B9-DEF72F952E5B}" type="datetimeFigureOut">
               <a:rPr lang="en-US" smtClean="0"/>
-              <a:t>5/1/2023</a:t>
+              <a:t>2/12/2024</a:t>
             </a:fld>
             <a:endParaRPr lang="en-US"/>
           </a:p>
@@ -2185,7 +2209,7 @@
           <a:p>
             <a:fld id="{548C5E67-172B-4F6A-B3B9-DEF72F952E5B}" type="datetimeFigureOut">
               <a:rPr lang="en-US" smtClean="0"/>
-              <a:t>5/1/2023</a:t>
+              <a:t>2/12/2024</a:t>
             </a:fld>
             <a:endParaRPr lang="en-US"/>
           </a:p>
@@ -2466,7 +2490,7 @@
           <a:p>
             <a:fld id="{548C5E67-172B-4F6A-B3B9-DEF72F952E5B}" type="datetimeFigureOut">
               <a:rPr lang="en-US" smtClean="0"/>
-              <a:t>5/1/2023</a:t>
+              <a:t>2/12/2024</a:t>
             </a:fld>
             <a:endParaRPr lang="en-US"/>
           </a:p>
@@ -3118,7 +3142,7 @@
         <p:spPr>
           <a:xfrm>
             <a:off x="838200" y="1825625"/>
-            <a:ext cx="6146800" cy="4351338"/>
+            <a:ext cx="10618694" cy="4351338"/>
           </a:xfrm>
         </p:spPr>
         <p:txBody>
@@ -3161,15 +3185,7 @@
             </a:pPr>
             <a:r>
               <a:rPr lang="en-US" dirty="0"/>
-              <a:t>Add a loop with </a:t>
-            </a:r>
-            <a:r>
-              <a:rPr lang="en-US"/>
-              <a:t>the "exit menu" and "create tables" </a:t>
-            </a:r>
-            <a:r>
-              <a:rPr lang="en-US" dirty="0"/>
-              <a:t>method calls</a:t>
+              <a:t>Add a loop with the "exit menu" and "create tables" method calls</a:t>
             </a:r>
           </a:p>
           <a:p>
